--- a/MSSQL.E07/MSSQL.E07.pptx
+++ b/MSSQL.E07/MSSQL.E07.pptx
@@ -418,7 +418,7 @@
           <a:p>
             <a:fld id="{7F5E9BF7-95E4-A242-BA1D-05FDCF603BE6}" type="datetime1">
               <a:rPr lang="en-US" smtClean="0"/>
-              <a:t>9/26/2021</a:t>
+              <a:t>12/26/2021</a:t>
             </a:fld>
             <a:endParaRPr lang="en-US"/>
           </a:p>
@@ -584,7 +584,7 @@
           <a:p>
             <a:fld id="{165DBCB1-0306-AD41-9452-11E7C08D5C04}" type="datetime1">
               <a:rPr lang="en-US" smtClean="0"/>
-              <a:t>9/26/2021</a:t>
+              <a:t>12/26/2021</a:t>
             </a:fld>
             <a:endParaRPr lang="en-US"/>
           </a:p>
@@ -17888,7 +17888,7 @@
           </a:ln>
           <a:extLst>
             <a:ext uri="{C572A759-6A51-4108-AA02-DFA0A04FC94B}">
-              <ma14:wrappingTextBoxFlag xmlns:ma14="http://schemas.microsoft.com/office/mac/drawingml/2011/main" xmlns="" val="1"/>
+              <ma14:wrappingTextBoxFlag xmlns="" xmlns:ma14="http://schemas.microsoft.com/office/mac/drawingml/2011/main" val="1"/>
             </a:ext>
           </a:extLst>
         </p:spPr>
@@ -25600,7 +25600,7 @@
           <a:p>
             <a:r>
               <a:rPr lang="en-US" dirty="0"/>
-              <a:t>November 14, 2021</a:t>
+              <a:t>January 25, 2022</a:t>
             </a:r>
           </a:p>
         </p:txBody>
@@ -37673,6 +37673,21 @@
 </file>
 
 <file path=customXml/item1.xml><?xml version="1.0" encoding="utf-8"?>
+<p:properties xmlns:p="http://schemas.microsoft.com/office/2006/metadata/properties" xmlns:xsi="http://www.w3.org/2001/XMLSchema-instance" xmlns:pc="http://schemas.microsoft.com/office/infopath/2007/PartnerControls">
+  <documentManagement/>
+</p:properties>
+</file>
+
+<file path=customXml/item2.xml><?xml version="1.0" encoding="utf-8"?>
+<?mso-contentType ?>
+<FormTemplates xmlns="http://schemas.microsoft.com/sharepoint/v3/contenttype/forms">
+  <Display>DocumentLibraryForm</Display>
+  <Edit>DocumentLibraryForm</Edit>
+  <New>DocumentLibraryForm</New>
+</FormTemplates>
+</file>
+
+<file path=customXml/item3.xml><?xml version="1.0" encoding="utf-8"?>
 <ct:contentTypeSchema xmlns:ct="http://schemas.microsoft.com/office/2006/metadata/contentType" xmlns:ma="http://schemas.microsoft.com/office/2006/metadata/properties/metaAttributes" ct:_="" ma:_="" ma:contentTypeName="Document" ma:contentTypeID="0x0101002F71A64D0A1A6140B6A122276D7E3196" ma:contentTypeVersion="2" ma:contentTypeDescription="Create a new document." ma:contentTypeScope="" ma:versionID="eb9d7e4f071135b1952b799147512b58">
   <xsd:schema xmlns:xsd="http://www.w3.org/2001/XMLSchema" xmlns:xs="http://www.w3.org/2001/XMLSchema" xmlns:p="http://schemas.microsoft.com/office/2006/metadata/properties" xmlns:ns2="14e46183-14a5-4343-a187-db51ef71da05" targetNamespace="http://schemas.microsoft.com/office/2006/metadata/properties" ma:root="true" ma:fieldsID="feccca8fb05b9d0c739dd1af05fd115a" ns2:_="">
     <xsd:import namespace="14e46183-14a5-4343-a187-db51ef71da05"/>
@@ -37804,22 +37819,31 @@
 </ct:contentTypeSchema>
 </file>
 
-<file path=customXml/item2.xml><?xml version="1.0" encoding="utf-8"?>
-<p:properties xmlns:p="http://schemas.microsoft.com/office/2006/metadata/properties" xmlns:xsi="http://www.w3.org/2001/XMLSchema-instance" xmlns:pc="http://schemas.microsoft.com/office/infopath/2007/PartnerControls">
-  <documentManagement/>
-</p:properties>
+<file path=customXml/itemProps1.xml><?xml version="1.0" encoding="utf-8"?>
+<ds:datastoreItem xmlns:ds="http://schemas.openxmlformats.org/officeDocument/2006/customXml" ds:itemID="{D5E3C081-4081-47AD-A9A6-9F18F525DA1D}">
+  <ds:schemaRefs>
+    <ds:schemaRef ds:uri="http://purl.org/dc/terms/"/>
+    <ds:schemaRef ds:uri="http://schemas.microsoft.com/office/2006/documentManagement/types"/>
+    <ds:schemaRef ds:uri="http://purl.org/dc/dcmitype/"/>
+    <ds:schemaRef ds:uri="http://schemas.microsoft.com/office/2006/metadata/properties"/>
+    <ds:schemaRef ds:uri="http://schemas.openxmlformats.org/package/2006/metadata/core-properties"/>
+    <ds:schemaRef ds:uri="http://purl.org/dc/elements/1.1/"/>
+    <ds:schemaRef ds:uri="http://schemas.microsoft.com/office/infopath/2007/PartnerControls"/>
+    <ds:schemaRef ds:uri="e83b1685-c0ee-49c7-ae0f-bc980b303699"/>
+    <ds:schemaRef ds:uri="http://www.w3.org/XML/1998/namespace"/>
+  </ds:schemaRefs>
+</ds:datastoreItem>
 </file>
 
-<file path=customXml/item3.xml><?xml version="1.0" encoding="utf-8"?>
-<?mso-contentType ?>
-<FormTemplates xmlns="http://schemas.microsoft.com/sharepoint/v3/contenttype/forms">
-  <Display>DocumentLibraryForm</Display>
-  <Edit>DocumentLibraryForm</Edit>
-  <New>DocumentLibraryForm</New>
-</FormTemplates>
+<file path=customXml/itemProps2.xml><?xml version="1.0" encoding="utf-8"?>
+<ds:datastoreItem xmlns:ds="http://schemas.openxmlformats.org/officeDocument/2006/customXml" ds:itemID="{14883F0F-DE57-4ECA-B9BB-F22E8C5B5D82}">
+  <ds:schemaRefs>
+    <ds:schemaRef ds:uri="http://schemas.microsoft.com/sharepoint/v3/contenttype/forms"/>
+  </ds:schemaRefs>
+</ds:datastoreItem>
 </file>
 
-<file path=customXml/itemProps1.xml><?xml version="1.0" encoding="utf-8"?>
+<file path=customXml/itemProps3.xml><?xml version="1.0" encoding="utf-8"?>
 <ds:datastoreItem xmlns:ds="http://schemas.openxmlformats.org/officeDocument/2006/customXml" ds:itemID="{D5F192F7-0338-428F-B5C7-A9E8C7656001}">
   <ds:schemaRefs>
     <ds:schemaRef ds:uri="http://schemas.microsoft.com/office/2006/metadata/contentType"/>
@@ -37835,28 +37859,4 @@
     <ds:schemaRef ds:uri="http://schemas.microsoft.com/internal/obd"/>
   </ds:schemaRefs>
 </ds:datastoreItem>
-</file>
-
-<file path=customXml/itemProps2.xml><?xml version="1.0" encoding="utf-8"?>
-<ds:datastoreItem xmlns:ds="http://schemas.openxmlformats.org/officeDocument/2006/customXml" ds:itemID="{D5E3C081-4081-47AD-A9A6-9F18F525DA1D}">
-  <ds:schemaRefs>
-    <ds:schemaRef ds:uri="http://purl.org/dc/terms/"/>
-    <ds:schemaRef ds:uri="http://schemas.microsoft.com/office/2006/documentManagement/types"/>
-    <ds:schemaRef ds:uri="http://purl.org/dc/dcmitype/"/>
-    <ds:schemaRef ds:uri="http://schemas.microsoft.com/office/2006/metadata/properties"/>
-    <ds:schemaRef ds:uri="http://schemas.openxmlformats.org/package/2006/metadata/core-properties"/>
-    <ds:schemaRef ds:uri="http://purl.org/dc/elements/1.1/"/>
-    <ds:schemaRef ds:uri="http://schemas.microsoft.com/office/infopath/2007/PartnerControls"/>
-    <ds:schemaRef ds:uri="e83b1685-c0ee-49c7-ae0f-bc980b303699"/>
-    <ds:schemaRef ds:uri="http://www.w3.org/XML/1998/namespace"/>
-  </ds:schemaRefs>
-</ds:datastoreItem>
-</file>
-
-<file path=customXml/itemProps3.xml><?xml version="1.0" encoding="utf-8"?>
-<ds:datastoreItem xmlns:ds="http://schemas.openxmlformats.org/officeDocument/2006/customXml" ds:itemID="{14883F0F-DE57-4ECA-B9BB-F22E8C5B5D82}">
-  <ds:schemaRefs>
-    <ds:schemaRef ds:uri="http://schemas.microsoft.com/sharepoint/v3/contenttype/forms"/>
-  </ds:schemaRefs>
-</ds:datastoreItem>
 </file>